--- a/Documents/Shanmuga_Assignment.pptx
+++ b/Documents/Shanmuga_Assignment.pptx
@@ -15,9 +15,13 @@
     <p:sldId id="259" r:id="rId9"/>
     <p:sldId id="263" r:id="rId10"/>
     <p:sldId id="264" r:id="rId11"/>
-    <p:sldId id="265" r:id="rId12"/>
-    <p:sldId id="266" r:id="rId13"/>
-    <p:sldId id="267" r:id="rId14"/>
+    <p:sldId id="269" r:id="rId12"/>
+    <p:sldId id="265" r:id="rId13"/>
+    <p:sldId id="271" r:id="rId14"/>
+    <p:sldId id="272" r:id="rId15"/>
+    <p:sldId id="270" r:id="rId16"/>
+    <p:sldId id="266" r:id="rId17"/>
+    <p:sldId id="267" r:id="rId18"/>
   </p:sldIdLst>
   <p:sldSz cx="9144000" cy="6858000" type="screen4x3"/>
   <p:notesSz cx="6858000" cy="9144000"/>
@@ -116,6 +120,22 @@
       </a:defRPr>
     </a:lvl9pPr>
   </p:defaultTextStyle>
+  <p:extLst>
+    <p:ext uri="{EFAFB233-063F-42B5-8137-9DF3F51BA10A}">
+      <p15:sldGuideLst xmlns:p15="http://schemas.microsoft.com/office/powerpoint/2012/main">
+        <p15:guide id="1" orient="horz" pos="2160">
+          <p15:clr>
+            <a:srgbClr val="A4A3A4"/>
+          </p15:clr>
+        </p15:guide>
+        <p15:guide id="2" pos="2880">
+          <p15:clr>
+            <a:srgbClr val="A4A3A4"/>
+          </p15:clr>
+        </p15:guide>
+      </p15:sldGuideLst>
+    </p:ext>
+  </p:extLst>
 </p:presentation>
 </file>
 
@@ -300,7 +320,7 @@
           <a:p>
             <a:fld id="{32D02048-EBE4-4355-A1AF-9C4D77866C80}" type="datetimeFigureOut">
               <a:rPr lang="en-AU" smtClean="0"/>
-              <a:t>26/06/2017</a:t>
+              <a:t>3/07/2017</a:t>
             </a:fld>
             <a:endParaRPr lang="en-AU"/>
           </a:p>
@@ -470,7 +490,7 @@
           <a:p>
             <a:fld id="{32D02048-EBE4-4355-A1AF-9C4D77866C80}" type="datetimeFigureOut">
               <a:rPr lang="en-AU" smtClean="0"/>
-              <a:t>26/06/2017</a:t>
+              <a:t>3/07/2017</a:t>
             </a:fld>
             <a:endParaRPr lang="en-AU"/>
           </a:p>
@@ -650,7 +670,7 @@
           <a:p>
             <a:fld id="{32D02048-EBE4-4355-A1AF-9C4D77866C80}" type="datetimeFigureOut">
               <a:rPr lang="en-AU" smtClean="0"/>
-              <a:t>26/06/2017</a:t>
+              <a:t>3/07/2017</a:t>
             </a:fld>
             <a:endParaRPr lang="en-AU"/>
           </a:p>
@@ -820,7 +840,7 @@
           <a:p>
             <a:fld id="{32D02048-EBE4-4355-A1AF-9C4D77866C80}" type="datetimeFigureOut">
               <a:rPr lang="en-AU" smtClean="0"/>
-              <a:t>26/06/2017</a:t>
+              <a:t>3/07/2017</a:t>
             </a:fld>
             <a:endParaRPr lang="en-AU"/>
           </a:p>
@@ -1066,7 +1086,7 @@
           <a:p>
             <a:fld id="{32D02048-EBE4-4355-A1AF-9C4D77866C80}" type="datetimeFigureOut">
               <a:rPr lang="en-AU" smtClean="0"/>
-              <a:t>26/06/2017</a:t>
+              <a:t>3/07/2017</a:t>
             </a:fld>
             <a:endParaRPr lang="en-AU"/>
           </a:p>
@@ -1354,7 +1374,7 @@
           <a:p>
             <a:fld id="{32D02048-EBE4-4355-A1AF-9C4D77866C80}" type="datetimeFigureOut">
               <a:rPr lang="en-AU" smtClean="0"/>
-              <a:t>26/06/2017</a:t>
+              <a:t>3/07/2017</a:t>
             </a:fld>
             <a:endParaRPr lang="en-AU"/>
           </a:p>
@@ -1776,7 +1796,7 @@
           <a:p>
             <a:fld id="{32D02048-EBE4-4355-A1AF-9C4D77866C80}" type="datetimeFigureOut">
               <a:rPr lang="en-AU" smtClean="0"/>
-              <a:t>26/06/2017</a:t>
+              <a:t>3/07/2017</a:t>
             </a:fld>
             <a:endParaRPr lang="en-AU"/>
           </a:p>
@@ -1894,7 +1914,7 @@
           <a:p>
             <a:fld id="{32D02048-EBE4-4355-A1AF-9C4D77866C80}" type="datetimeFigureOut">
               <a:rPr lang="en-AU" smtClean="0"/>
-              <a:t>26/06/2017</a:t>
+              <a:t>3/07/2017</a:t>
             </a:fld>
             <a:endParaRPr lang="en-AU"/>
           </a:p>
@@ -1989,7 +2009,7 @@
           <a:p>
             <a:fld id="{32D02048-EBE4-4355-A1AF-9C4D77866C80}" type="datetimeFigureOut">
               <a:rPr lang="en-AU" smtClean="0"/>
-              <a:t>26/06/2017</a:t>
+              <a:t>3/07/2017</a:t>
             </a:fld>
             <a:endParaRPr lang="en-AU"/>
           </a:p>
@@ -2266,7 +2286,7 @@
           <a:p>
             <a:fld id="{32D02048-EBE4-4355-A1AF-9C4D77866C80}" type="datetimeFigureOut">
               <a:rPr lang="en-AU" smtClean="0"/>
-              <a:t>26/06/2017</a:t>
+              <a:t>3/07/2017</a:t>
             </a:fld>
             <a:endParaRPr lang="en-AU"/>
           </a:p>
@@ -2519,7 +2539,7 @@
           <a:p>
             <a:fld id="{32D02048-EBE4-4355-A1AF-9C4D77866C80}" type="datetimeFigureOut">
               <a:rPr lang="en-AU" smtClean="0"/>
-              <a:t>26/06/2017</a:t>
+              <a:t>3/07/2017</a:t>
             </a:fld>
             <a:endParaRPr lang="en-AU"/>
           </a:p>
@@ -2732,7 +2752,7 @@
           <a:p>
             <a:fld id="{32D02048-EBE4-4355-A1AF-9C4D77866C80}" type="datetimeFigureOut">
               <a:rPr lang="en-AU" smtClean="0"/>
-              <a:t>26/06/2017</a:t>
+              <a:t>3/07/2017</a:t>
             </a:fld>
             <a:endParaRPr lang="en-AU"/>
           </a:p>
@@ -3119,14 +3139,20 @@
         </p:nvSpPr>
         <p:spPr/>
         <p:txBody>
-          <a:bodyPr/>
+          <a:bodyPr>
+            <a:normAutofit/>
+          </a:bodyPr>
           <a:lstStyle/>
           <a:p>
             <a:r>
-              <a:rPr lang="en-AU" dirty="0" smtClean="0"/>
+              <a:rPr lang="en-AU" sz="4800" b="1" dirty="0" smtClean="0">
+                <a:latin typeface="Cambria" panose="02040503050406030204" pitchFamily="18" charset="0"/>
+              </a:rPr>
               <a:t>Assignment</a:t>
             </a:r>
-            <a:endParaRPr lang="en-AU" dirty="0"/>
+            <a:endParaRPr lang="en-AU" sz="4800" b="1" dirty="0">
+              <a:latin typeface="Cambria" panose="02040503050406030204" pitchFamily="18" charset="0"/>
+            </a:endParaRPr>
           </a:p>
         </p:txBody>
       </p:sp>
@@ -3236,58 +3262,91 @@
       </p:sp>
       <p:pic>
         <p:nvPicPr>
-          <p:cNvPr id="5122" name="Picture 2"/>
+          <p:cNvPr id="3" name="Picture 2"/>
           <p:cNvPicPr>
-            <a:picLocks noChangeAspect="1" noChangeArrowheads="1"/>
+            <a:picLocks noChangeAspect="1"/>
           </p:cNvPicPr>
           <p:nvPr/>
         </p:nvPicPr>
         <p:blipFill>
-          <a:blip r:embed="rId2">
-            <a:extLst>
-              <a:ext uri="{28A0092B-C50C-407E-A947-70E740481C1C}">
-                <a14:useLocalDpi xmlns:a14="http://schemas.microsoft.com/office/drawing/2010/main" val="0"/>
-              </a:ext>
-            </a:extLst>
-          </a:blip>
-          <a:srcRect/>
+          <a:blip r:embed="rId2"/>
           <a:stretch>
             <a:fillRect/>
           </a:stretch>
         </p:blipFill>
-        <p:spPr bwMode="auto">
+        <p:spPr>
           <a:xfrm>
-            <a:off x="1295400" y="1270392"/>
-            <a:ext cx="6905625" cy="5117708"/>
+            <a:off x="281886" y="1476375"/>
+            <a:ext cx="8639175" cy="5153025"/>
           </a:xfrm>
           <a:prstGeom prst="rect">
             <a:avLst/>
           </a:prstGeom>
-          <a:noFill/>
-          <a:ln>
-            <a:noFill/>
-          </a:ln>
-          <a:extLst>
-            <a:ext uri="{909E8E84-426E-40DD-AFC4-6F175D3DCCD1}">
-              <a14:hiddenFill xmlns:a14="http://schemas.microsoft.com/office/drawing/2010/main">
-                <a:solidFill>
-                  <a:schemeClr val="accent1"/>
-                </a:solidFill>
-              </a14:hiddenFill>
-            </a:ext>
-            <a:ext uri="{91240B29-F687-4F45-9708-019B960494DF}">
-              <a14:hiddenLine xmlns:a14="http://schemas.microsoft.com/office/drawing/2010/main" w="9525">
-                <a:solidFill>
-                  <a:schemeClr val="tx1"/>
-                </a:solidFill>
-                <a:miter lim="800000"/>
-                <a:headEnd/>
-                <a:tailEnd/>
-              </a14:hiddenLine>
-            </a:ext>
-          </a:extLst>
         </p:spPr>
       </p:pic>
+      <p:sp>
+        <p:nvSpPr>
+          <p:cNvPr id="5" name="Title 1"/>
+          <p:cNvSpPr txBox="1">
+            <a:spLocks/>
+          </p:cNvSpPr>
+          <p:nvPr/>
+        </p:nvSpPr>
+        <p:spPr>
+          <a:xfrm>
+            <a:off x="-20199" y="793215"/>
+            <a:ext cx="9098097" cy="349786"/>
+          </a:xfrm>
+          <a:prstGeom prst="rect">
+            <a:avLst/>
+          </a:prstGeom>
+        </p:spPr>
+        <p:txBody>
+          <a:bodyPr vert="horz" lIns="91440" tIns="45720" rIns="91440" bIns="45720" rtlCol="0" anchor="ctr">
+            <a:normAutofit/>
+          </a:bodyPr>
+          <a:lstStyle>
+            <a:lvl1pPr algn="ctr" defTabSz="914400" rtl="0" eaLnBrk="1" latinLnBrk="0" hangingPunct="1">
+              <a:spcBef>
+                <a:spcPct val="0"/>
+              </a:spcBef>
+              <a:buNone/>
+              <a:defRPr sz="4400" kern="1200">
+                <a:solidFill>
+                  <a:schemeClr val="tx1"/>
+                </a:solidFill>
+                <a:latin typeface="+mj-lt"/>
+                <a:ea typeface="+mj-ea"/>
+                <a:cs typeface="+mj-cs"/>
+              </a:defRPr>
+            </a:lvl1pPr>
+          </a:lstStyle>
+          <a:p>
+            <a:r>
+              <a:rPr lang="en-AU" sz="1600" b="1" dirty="0" smtClean="0">
+                <a:solidFill>
+                  <a:schemeClr val="bg1">
+                    <a:lumMod val="50000"/>
+                  </a:schemeClr>
+                </a:solidFill>
+                <a:latin typeface="Cambria" panose="02040503050406030204" pitchFamily="18" charset="0"/>
+              </a:rPr>
+              <a:t>Large number </a:t>
+            </a:r>
+            <a:r>
+              <a:rPr lang="en-AU" sz="1600" b="1" dirty="0">
+                <a:solidFill>
+                  <a:schemeClr val="bg1">
+                    <a:lumMod val="50000"/>
+                  </a:schemeClr>
+                </a:solidFill>
+                <a:latin typeface="Cambria" panose="02040503050406030204" pitchFamily="18" charset="0"/>
+              </a:rPr>
+              <a:t> – Output in Google Chrome</a:t>
+            </a:r>
+          </a:p>
+        </p:txBody>
+      </p:sp>
     </p:spTree>
     <p:extLst>
       <p:ext uri="{BB962C8B-B14F-4D97-AF65-F5344CB8AC3E}">
@@ -3361,62 +3420,117 @@
       </p:sp>
       <p:pic>
         <p:nvPicPr>
-          <p:cNvPr id="6146" name="Picture 2"/>
+          <p:cNvPr id="3" name="Picture 2"/>
           <p:cNvPicPr>
-            <a:picLocks noChangeAspect="1" noChangeArrowheads="1"/>
+            <a:picLocks noChangeAspect="1"/>
           </p:cNvPicPr>
           <p:nvPr/>
         </p:nvPicPr>
         <p:blipFill>
-          <a:blip r:embed="rId2">
-            <a:extLst>
-              <a:ext uri="{28A0092B-C50C-407E-A947-70E740481C1C}">
-                <a14:useLocalDpi xmlns:a14="http://schemas.microsoft.com/office/drawing/2010/main" val="0"/>
-              </a:ext>
-            </a:extLst>
-          </a:blip>
-          <a:srcRect/>
+          <a:blip r:embed="rId2"/>
           <a:stretch>
             <a:fillRect/>
           </a:stretch>
         </p:blipFill>
-        <p:spPr bwMode="auto">
+        <p:spPr>
           <a:xfrm>
-            <a:off x="838200" y="1057206"/>
-            <a:ext cx="7210425" cy="5343593"/>
+            <a:off x="152400" y="1400175"/>
+            <a:ext cx="8639175" cy="5153025"/>
           </a:xfrm>
           <a:prstGeom prst="rect">
             <a:avLst/>
           </a:prstGeom>
-          <a:noFill/>
-          <a:ln>
-            <a:noFill/>
-          </a:ln>
-          <a:extLst>
-            <a:ext uri="{909E8E84-426E-40DD-AFC4-6F175D3DCCD1}">
-              <a14:hiddenFill xmlns:a14="http://schemas.microsoft.com/office/drawing/2010/main">
-                <a:solidFill>
-                  <a:schemeClr val="accent1"/>
-                </a:solidFill>
-              </a14:hiddenFill>
-            </a:ext>
-            <a:ext uri="{91240B29-F687-4F45-9708-019B960494DF}">
-              <a14:hiddenLine xmlns:a14="http://schemas.microsoft.com/office/drawing/2010/main" w="9525">
-                <a:solidFill>
-                  <a:schemeClr val="tx1"/>
-                </a:solidFill>
-                <a:miter lim="800000"/>
-                <a:headEnd/>
-                <a:tailEnd/>
-              </a14:hiddenLine>
-            </a:ext>
-          </a:extLst>
         </p:spPr>
       </p:pic>
+      <p:sp>
+        <p:nvSpPr>
+          <p:cNvPr id="4" name="Title 1"/>
+          <p:cNvSpPr txBox="1">
+            <a:spLocks/>
+          </p:cNvSpPr>
+          <p:nvPr/>
+        </p:nvSpPr>
+        <p:spPr>
+          <a:xfrm>
+            <a:off x="-20199" y="793215"/>
+            <a:ext cx="9098097" cy="349786"/>
+          </a:xfrm>
+          <a:prstGeom prst="rect">
+            <a:avLst/>
+          </a:prstGeom>
+        </p:spPr>
+        <p:txBody>
+          <a:bodyPr vert="horz" lIns="91440" tIns="45720" rIns="91440" bIns="45720" rtlCol="0" anchor="ctr">
+            <a:normAutofit/>
+          </a:bodyPr>
+          <a:lstStyle>
+            <a:lvl1pPr algn="ctr" defTabSz="914400" rtl="0" eaLnBrk="1" latinLnBrk="0" hangingPunct="1">
+              <a:spcBef>
+                <a:spcPct val="0"/>
+              </a:spcBef>
+              <a:buNone/>
+              <a:defRPr sz="4400" kern="1200">
+                <a:solidFill>
+                  <a:schemeClr val="tx1"/>
+                </a:solidFill>
+                <a:latin typeface="+mj-lt"/>
+                <a:ea typeface="+mj-ea"/>
+                <a:cs typeface="+mj-cs"/>
+              </a:defRPr>
+            </a:lvl1pPr>
+          </a:lstStyle>
+          <a:p>
+            <a:r>
+              <a:rPr lang="en-AU" sz="1600" b="1" dirty="0" smtClean="0">
+                <a:solidFill>
+                  <a:schemeClr val="bg1">
+                    <a:lumMod val="50000"/>
+                  </a:schemeClr>
+                </a:solidFill>
+                <a:latin typeface="Cambria" panose="02040503050406030204" pitchFamily="18" charset="0"/>
+              </a:rPr>
+              <a:t>Output in case of </a:t>
+            </a:r>
+            <a:r>
+              <a:rPr lang="en-AU" sz="1600" b="1" dirty="0">
+                <a:solidFill>
+                  <a:schemeClr val="bg1">
+                    <a:lumMod val="50000"/>
+                  </a:schemeClr>
+                </a:solidFill>
+                <a:latin typeface="Cambria" panose="02040503050406030204" pitchFamily="18" charset="0"/>
+              </a:rPr>
+              <a:t>I</a:t>
+            </a:r>
+            <a:r>
+              <a:rPr lang="en-AU" sz="1600" b="1" dirty="0" smtClean="0">
+                <a:solidFill>
+                  <a:schemeClr val="bg1">
+                    <a:lumMod val="50000"/>
+                  </a:schemeClr>
+                </a:solidFill>
+                <a:latin typeface="Cambria" panose="02040503050406030204" pitchFamily="18" charset="0"/>
+              </a:rPr>
+              <a:t>nvalid Input - </a:t>
+            </a:r>
+            <a:r>
+              <a:rPr lang="en-AU" sz="1600" b="1" dirty="0">
+                <a:solidFill>
+                  <a:schemeClr val="bg1">
+                    <a:lumMod val="50000"/>
+                  </a:schemeClr>
+                </a:solidFill>
+                <a:latin typeface="Cambria" panose="02040503050406030204" pitchFamily="18" charset="0"/>
+              </a:rPr>
+              <a:t> – Output in Google Chrome</a:t>
+            </a:r>
+          </a:p>
+        </p:txBody>
+      </p:sp>
     </p:spTree>
     <p:extLst>
       <p:ext uri="{BB962C8B-B14F-4D97-AF65-F5344CB8AC3E}">
-        <p14:creationId xmlns:p14="http://schemas.microsoft.com/office/powerpoint/2010/main" val="12938693"/>
+        <p14:creationId xmlns:p14="http://schemas.microsoft.com/office/powerpoint/2010/main" val="2653605782"/>
       </p:ext>
     </p:extLst>
   </p:cSld>
@@ -3476,7 +3590,496 @@
               <a:rPr lang="en-AU" sz="3600" b="1" dirty="0" smtClean="0">
                 <a:latin typeface="Cambria" panose="02040503050406030204" pitchFamily="18" charset="0"/>
               </a:rPr>
-              <a:t>Snap shot – Swagger API documentation</a:t>
+              <a:t>Snap shot – Front End</a:t>
+            </a:r>
+            <a:endParaRPr lang="en-AU" sz="3600" b="1" dirty="0">
+              <a:latin typeface="Cambria" panose="02040503050406030204" pitchFamily="18" charset="0"/>
+            </a:endParaRPr>
+          </a:p>
+        </p:txBody>
+      </p:sp>
+      <p:pic>
+        <p:nvPicPr>
+          <p:cNvPr id="4" name="Picture 3"/>
+          <p:cNvPicPr>
+            <a:picLocks noChangeAspect="1"/>
+          </p:cNvPicPr>
+          <p:nvPr/>
+        </p:nvPicPr>
+        <p:blipFill>
+          <a:blip r:embed="rId2"/>
+          <a:stretch>
+            <a:fillRect/>
+          </a:stretch>
+        </p:blipFill>
+        <p:spPr>
+          <a:xfrm>
+            <a:off x="283474" y="1600200"/>
+            <a:ext cx="8636000" cy="5181600"/>
+          </a:xfrm>
+          <a:prstGeom prst="rect">
+            <a:avLst/>
+          </a:prstGeom>
+        </p:spPr>
+      </p:pic>
+      <p:sp>
+        <p:nvSpPr>
+          <p:cNvPr id="6" name="Title 1"/>
+          <p:cNvSpPr txBox="1">
+            <a:spLocks/>
+          </p:cNvSpPr>
+          <p:nvPr/>
+        </p:nvSpPr>
+        <p:spPr>
+          <a:xfrm>
+            <a:off x="-20199" y="793215"/>
+            <a:ext cx="9098097" cy="349786"/>
+          </a:xfrm>
+          <a:prstGeom prst="rect">
+            <a:avLst/>
+          </a:prstGeom>
+        </p:spPr>
+        <p:txBody>
+          <a:bodyPr vert="horz" lIns="91440" tIns="45720" rIns="91440" bIns="45720" rtlCol="0" anchor="ctr">
+            <a:normAutofit/>
+          </a:bodyPr>
+          <a:lstStyle>
+            <a:lvl1pPr algn="ctr" defTabSz="914400" rtl="0" eaLnBrk="1" latinLnBrk="0" hangingPunct="1">
+              <a:spcBef>
+                <a:spcPct val="0"/>
+              </a:spcBef>
+              <a:buNone/>
+              <a:defRPr sz="4400" kern="1200">
+                <a:solidFill>
+                  <a:schemeClr val="tx1"/>
+                </a:solidFill>
+                <a:latin typeface="+mj-lt"/>
+                <a:ea typeface="+mj-ea"/>
+                <a:cs typeface="+mj-cs"/>
+              </a:defRPr>
+            </a:lvl1pPr>
+          </a:lstStyle>
+          <a:p>
+            <a:r>
+              <a:rPr lang="en-AU" sz="1600" b="1" dirty="0" smtClean="0">
+                <a:solidFill>
+                  <a:schemeClr val="bg1">
+                    <a:lumMod val="50000"/>
+                  </a:schemeClr>
+                </a:solidFill>
+                <a:latin typeface="Cambria" panose="02040503050406030204" pitchFamily="18" charset="0"/>
+              </a:rPr>
+              <a:t>Output in Internet Explorer</a:t>
+            </a:r>
+            <a:endParaRPr lang="en-AU" sz="1600" b="1" dirty="0">
+              <a:solidFill>
+                <a:schemeClr val="bg1">
+                  <a:lumMod val="50000"/>
+                </a:schemeClr>
+              </a:solidFill>
+              <a:latin typeface="Cambria" panose="02040503050406030204" pitchFamily="18" charset="0"/>
+            </a:endParaRPr>
+          </a:p>
+        </p:txBody>
+      </p:sp>
+    </p:spTree>
+    <p:extLst>
+      <p:ext uri="{BB962C8B-B14F-4D97-AF65-F5344CB8AC3E}">
+        <p14:creationId xmlns:p14="http://schemas.microsoft.com/office/powerpoint/2010/main" val="12938693"/>
+      </p:ext>
+    </p:extLst>
+  </p:cSld>
+  <p:clrMapOvr>
+    <a:masterClrMapping/>
+  </p:clrMapOvr>
+  <p:timing>
+    <p:tnLst>
+      <p:par>
+        <p:cTn id="1" dur="indefinite" restart="never" nodeType="tmRoot"/>
+      </p:par>
+    </p:tnLst>
+  </p:timing>
+</p:sld>
+</file>
+
+<file path=ppt/slides/slide13.xml><?xml version="1.0" encoding="utf-8"?>
+<p:sld xmlns:a="http://schemas.openxmlformats.org/drawingml/2006/main" xmlns:r="http://schemas.openxmlformats.org/officeDocument/2006/relationships" xmlns:p="http://schemas.openxmlformats.org/presentationml/2006/main">
+  <p:cSld>
+    <p:spTree>
+      <p:nvGrpSpPr>
+        <p:cNvPr id="1" name=""/>
+        <p:cNvGrpSpPr/>
+        <p:nvPr/>
+      </p:nvGrpSpPr>
+      <p:grpSpPr>
+        <a:xfrm>
+          <a:off x="0" y="0"/>
+          <a:ext cx="0" cy="0"/>
+          <a:chOff x="0" y="0"/>
+          <a:chExt cx="0" cy="0"/>
+        </a:xfrm>
+      </p:grpSpPr>
+      <p:sp>
+        <p:nvSpPr>
+          <p:cNvPr id="2" name="Title 1"/>
+          <p:cNvSpPr>
+            <a:spLocks noGrp="1"/>
+          </p:cNvSpPr>
+          <p:nvPr>
+            <p:ph type="ctrTitle"/>
+          </p:nvPr>
+        </p:nvSpPr>
+        <p:spPr>
+          <a:xfrm>
+            <a:off x="67574" y="152400"/>
+            <a:ext cx="9067800" cy="838199"/>
+          </a:xfrm>
+        </p:spPr>
+        <p:txBody>
+          <a:bodyPr>
+            <a:normAutofit/>
+          </a:bodyPr>
+          <a:lstStyle/>
+          <a:p>
+            <a:r>
+              <a:rPr lang="en-AU" sz="3600" b="1" dirty="0" smtClean="0">
+                <a:latin typeface="Cambria" panose="02040503050406030204" pitchFamily="18" charset="0"/>
+              </a:rPr>
+              <a:t>Snap shot – Front End</a:t>
+            </a:r>
+            <a:endParaRPr lang="en-AU" sz="3600" b="1" dirty="0">
+              <a:latin typeface="Cambria" panose="02040503050406030204" pitchFamily="18" charset="0"/>
+            </a:endParaRPr>
+          </a:p>
+        </p:txBody>
+      </p:sp>
+      <p:sp>
+        <p:nvSpPr>
+          <p:cNvPr id="6" name="Title 1"/>
+          <p:cNvSpPr txBox="1">
+            <a:spLocks/>
+          </p:cNvSpPr>
+          <p:nvPr/>
+        </p:nvSpPr>
+        <p:spPr>
+          <a:xfrm>
+            <a:off x="-20199" y="793215"/>
+            <a:ext cx="9098097" cy="349786"/>
+          </a:xfrm>
+          <a:prstGeom prst="rect">
+            <a:avLst/>
+          </a:prstGeom>
+        </p:spPr>
+        <p:txBody>
+          <a:bodyPr vert="horz" lIns="91440" tIns="45720" rIns="91440" bIns="45720" rtlCol="0" anchor="ctr">
+            <a:normAutofit/>
+          </a:bodyPr>
+          <a:lstStyle>
+            <a:lvl1pPr algn="ctr" defTabSz="914400" rtl="0" eaLnBrk="1" latinLnBrk="0" hangingPunct="1">
+              <a:spcBef>
+                <a:spcPct val="0"/>
+              </a:spcBef>
+              <a:buNone/>
+              <a:defRPr sz="4400" kern="1200">
+                <a:solidFill>
+                  <a:schemeClr val="tx1"/>
+                </a:solidFill>
+                <a:latin typeface="+mj-lt"/>
+                <a:ea typeface="+mj-ea"/>
+                <a:cs typeface="+mj-cs"/>
+              </a:defRPr>
+            </a:lvl1pPr>
+          </a:lstStyle>
+          <a:p>
+            <a:r>
+              <a:rPr lang="en-AU" sz="1600" b="1" dirty="0" smtClean="0">
+                <a:solidFill>
+                  <a:schemeClr val="bg1">
+                    <a:lumMod val="50000"/>
+                  </a:schemeClr>
+                </a:solidFill>
+                <a:latin typeface="Cambria" panose="02040503050406030204" pitchFamily="18" charset="0"/>
+              </a:rPr>
+              <a:t>Output in Mozilla Firefox</a:t>
+            </a:r>
+            <a:endParaRPr lang="en-AU" sz="1600" b="1" dirty="0">
+              <a:solidFill>
+                <a:schemeClr val="bg1">
+                  <a:lumMod val="50000"/>
+                </a:schemeClr>
+              </a:solidFill>
+              <a:latin typeface="Cambria" panose="02040503050406030204" pitchFamily="18" charset="0"/>
+            </a:endParaRPr>
+          </a:p>
+        </p:txBody>
+      </p:sp>
+      <p:pic>
+        <p:nvPicPr>
+          <p:cNvPr id="3" name="Picture 2"/>
+          <p:cNvPicPr>
+            <a:picLocks noChangeAspect="1"/>
+          </p:cNvPicPr>
+          <p:nvPr/>
+        </p:nvPicPr>
+        <p:blipFill>
+          <a:blip r:embed="rId2"/>
+          <a:stretch>
+            <a:fillRect/>
+          </a:stretch>
+        </p:blipFill>
+        <p:spPr>
+          <a:xfrm>
+            <a:off x="467624" y="1371600"/>
+            <a:ext cx="8267700" cy="5353050"/>
+          </a:xfrm>
+          <a:prstGeom prst="rect">
+            <a:avLst/>
+          </a:prstGeom>
+        </p:spPr>
+      </p:pic>
+    </p:spTree>
+    <p:extLst>
+      <p:ext uri="{BB962C8B-B14F-4D97-AF65-F5344CB8AC3E}">
+        <p14:creationId xmlns:p14="http://schemas.microsoft.com/office/powerpoint/2010/main" val="3554035568"/>
+      </p:ext>
+    </p:extLst>
+  </p:cSld>
+  <p:clrMapOvr>
+    <a:masterClrMapping/>
+  </p:clrMapOvr>
+  <p:timing>
+    <p:tnLst>
+      <p:par>
+        <p:cTn id="1" dur="indefinite" restart="never" nodeType="tmRoot"/>
+      </p:par>
+    </p:tnLst>
+  </p:timing>
+</p:sld>
+</file>
+
+<file path=ppt/slides/slide14.xml><?xml version="1.0" encoding="utf-8"?>
+<p:sld xmlns:a="http://schemas.openxmlformats.org/drawingml/2006/main" xmlns:r="http://schemas.openxmlformats.org/officeDocument/2006/relationships" xmlns:p="http://schemas.openxmlformats.org/presentationml/2006/main">
+  <p:cSld>
+    <p:spTree>
+      <p:nvGrpSpPr>
+        <p:cNvPr id="1" name=""/>
+        <p:cNvGrpSpPr/>
+        <p:nvPr/>
+      </p:nvGrpSpPr>
+      <p:grpSpPr>
+        <a:xfrm>
+          <a:off x="0" y="0"/>
+          <a:ext cx="0" cy="0"/>
+          <a:chOff x="0" y="0"/>
+          <a:chExt cx="0" cy="0"/>
+        </a:xfrm>
+      </p:grpSpPr>
+      <p:sp>
+        <p:nvSpPr>
+          <p:cNvPr id="2" name="Title 1"/>
+          <p:cNvSpPr>
+            <a:spLocks noGrp="1"/>
+          </p:cNvSpPr>
+          <p:nvPr>
+            <p:ph type="ctrTitle"/>
+          </p:nvPr>
+        </p:nvSpPr>
+        <p:spPr>
+          <a:xfrm>
+            <a:off x="67574" y="152400"/>
+            <a:ext cx="9067800" cy="838199"/>
+          </a:xfrm>
+        </p:spPr>
+        <p:txBody>
+          <a:bodyPr>
+            <a:normAutofit/>
+          </a:bodyPr>
+          <a:lstStyle/>
+          <a:p>
+            <a:r>
+              <a:rPr lang="en-AU" sz="3600" b="1" dirty="0" smtClean="0">
+                <a:latin typeface="Cambria" panose="02040503050406030204" pitchFamily="18" charset="0"/>
+              </a:rPr>
+              <a:t>Snap shot – Front End</a:t>
+            </a:r>
+            <a:endParaRPr lang="en-AU" sz="3600" b="1" dirty="0">
+              <a:latin typeface="Cambria" panose="02040503050406030204" pitchFamily="18" charset="0"/>
+            </a:endParaRPr>
+          </a:p>
+        </p:txBody>
+      </p:sp>
+      <p:sp>
+        <p:nvSpPr>
+          <p:cNvPr id="6" name="Title 1"/>
+          <p:cNvSpPr txBox="1">
+            <a:spLocks/>
+          </p:cNvSpPr>
+          <p:nvPr/>
+        </p:nvSpPr>
+        <p:spPr>
+          <a:xfrm>
+            <a:off x="-20199" y="793215"/>
+            <a:ext cx="9098097" cy="349786"/>
+          </a:xfrm>
+          <a:prstGeom prst="rect">
+            <a:avLst/>
+          </a:prstGeom>
+        </p:spPr>
+        <p:txBody>
+          <a:bodyPr vert="horz" lIns="91440" tIns="45720" rIns="91440" bIns="45720" rtlCol="0" anchor="ctr">
+            <a:normAutofit/>
+          </a:bodyPr>
+          <a:lstStyle>
+            <a:lvl1pPr algn="ctr" defTabSz="914400" rtl="0" eaLnBrk="1" latinLnBrk="0" hangingPunct="1">
+              <a:spcBef>
+                <a:spcPct val="0"/>
+              </a:spcBef>
+              <a:buNone/>
+              <a:defRPr sz="4400" kern="1200">
+                <a:solidFill>
+                  <a:schemeClr val="tx1"/>
+                </a:solidFill>
+                <a:latin typeface="+mj-lt"/>
+                <a:ea typeface="+mj-ea"/>
+                <a:cs typeface="+mj-cs"/>
+              </a:defRPr>
+            </a:lvl1pPr>
+          </a:lstStyle>
+          <a:p>
+            <a:r>
+              <a:rPr lang="en-AU" sz="1600" b="1" dirty="0" smtClean="0">
+                <a:solidFill>
+                  <a:schemeClr val="bg1">
+                    <a:lumMod val="50000"/>
+                  </a:schemeClr>
+                </a:solidFill>
+                <a:latin typeface="Cambria" panose="02040503050406030204" pitchFamily="18" charset="0"/>
+              </a:rPr>
+              <a:t>Output of Responsive design</a:t>
+            </a:r>
+            <a:endParaRPr lang="en-AU" sz="1600" b="1" dirty="0">
+              <a:solidFill>
+                <a:schemeClr val="bg1">
+                  <a:lumMod val="50000"/>
+                </a:schemeClr>
+              </a:solidFill>
+              <a:latin typeface="Cambria" panose="02040503050406030204" pitchFamily="18" charset="0"/>
+            </a:endParaRPr>
+          </a:p>
+        </p:txBody>
+      </p:sp>
+      <p:pic>
+        <p:nvPicPr>
+          <p:cNvPr id="5" name="Picture 4"/>
+          <p:cNvPicPr>
+            <a:picLocks noChangeAspect="1"/>
+          </p:cNvPicPr>
+          <p:nvPr/>
+        </p:nvPicPr>
+        <p:blipFill>
+          <a:blip r:embed="rId2"/>
+          <a:stretch>
+            <a:fillRect/>
+          </a:stretch>
+        </p:blipFill>
+        <p:spPr>
+          <a:xfrm>
+            <a:off x="609600" y="1447800"/>
+            <a:ext cx="3305175" cy="5133975"/>
+          </a:xfrm>
+          <a:prstGeom prst="rect">
+            <a:avLst/>
+          </a:prstGeom>
+        </p:spPr>
+      </p:pic>
+      <p:pic>
+        <p:nvPicPr>
+          <p:cNvPr id="8" name="Picture 7"/>
+          <p:cNvPicPr>
+            <a:picLocks noChangeAspect="1"/>
+          </p:cNvPicPr>
+          <p:nvPr/>
+        </p:nvPicPr>
+        <p:blipFill>
+          <a:blip r:embed="rId3"/>
+          <a:stretch>
+            <a:fillRect/>
+          </a:stretch>
+        </p:blipFill>
+        <p:spPr>
+          <a:xfrm>
+            <a:off x="4191000" y="1447800"/>
+            <a:ext cx="4462463" cy="4105466"/>
+          </a:xfrm>
+          <a:prstGeom prst="rect">
+            <a:avLst/>
+          </a:prstGeom>
+        </p:spPr>
+      </p:pic>
+    </p:spTree>
+    <p:extLst>
+      <p:ext uri="{BB962C8B-B14F-4D97-AF65-F5344CB8AC3E}">
+        <p14:creationId xmlns:p14="http://schemas.microsoft.com/office/powerpoint/2010/main" val="1222346340"/>
+      </p:ext>
+    </p:extLst>
+  </p:cSld>
+  <p:clrMapOvr>
+    <a:masterClrMapping/>
+  </p:clrMapOvr>
+  <p:timing>
+    <p:tnLst>
+      <p:par>
+        <p:cTn id="1" dur="indefinite" restart="never" nodeType="tmRoot"/>
+      </p:par>
+    </p:tnLst>
+  </p:timing>
+</p:sld>
+</file>
+
+<file path=ppt/slides/slide15.xml><?xml version="1.0" encoding="utf-8"?>
+<p:sld xmlns:a="http://schemas.openxmlformats.org/drawingml/2006/main" xmlns:r="http://schemas.openxmlformats.org/officeDocument/2006/relationships" xmlns:p="http://schemas.openxmlformats.org/presentationml/2006/main">
+  <p:cSld>
+    <p:spTree>
+      <p:nvGrpSpPr>
+        <p:cNvPr id="1" name=""/>
+        <p:cNvGrpSpPr/>
+        <p:nvPr/>
+      </p:nvGrpSpPr>
+      <p:grpSpPr>
+        <a:xfrm>
+          <a:off x="0" y="0"/>
+          <a:ext cx="0" cy="0"/>
+          <a:chOff x="0" y="0"/>
+          <a:chExt cx="0" cy="0"/>
+        </a:xfrm>
+      </p:grpSpPr>
+      <p:sp>
+        <p:nvSpPr>
+          <p:cNvPr id="2" name="Title 1"/>
+          <p:cNvSpPr>
+            <a:spLocks noGrp="1"/>
+          </p:cNvSpPr>
+          <p:nvPr>
+            <p:ph type="ctrTitle"/>
+          </p:nvPr>
+        </p:nvSpPr>
+        <p:spPr>
+          <a:xfrm>
+            <a:off x="67574" y="152400"/>
+            <a:ext cx="9067800" cy="838199"/>
+          </a:xfrm>
+        </p:spPr>
+        <p:txBody>
+          <a:bodyPr>
+            <a:normAutofit/>
+          </a:bodyPr>
+          <a:lstStyle/>
+          <a:p>
+            <a:r>
+              <a:rPr lang="en-AU" sz="3600" b="1" dirty="0" smtClean="0">
+                <a:latin typeface="Cambria" panose="02040503050406030204" pitchFamily="18" charset="0"/>
+              </a:rPr>
+              <a:t>Snap shot – Swagger</a:t>
             </a:r>
             <a:endParaRPr lang="en-AU" sz="3600" b="1" dirty="0">
               <a:latin typeface="Cambria" panose="02040503050406030204" pitchFamily="18" charset="0"/>
@@ -3507,7 +4110,7 @@
         </p:blipFill>
         <p:spPr bwMode="auto">
           <a:xfrm>
-            <a:off x="520700" y="1066800"/>
+            <a:off x="520700" y="1342353"/>
             <a:ext cx="8354620" cy="5439447"/>
           </a:xfrm>
           <a:prstGeom prst="rect">
@@ -3536,6 +4139,229 @@
               </a14:hiddenLine>
             </a:ext>
           </a:extLst>
+        </p:spPr>
+      </p:pic>
+      <p:sp>
+        <p:nvSpPr>
+          <p:cNvPr id="4" name="Title 1"/>
+          <p:cNvSpPr txBox="1">
+            <a:spLocks/>
+          </p:cNvSpPr>
+          <p:nvPr/>
+        </p:nvSpPr>
+        <p:spPr>
+          <a:xfrm>
+            <a:off x="-20199" y="793215"/>
+            <a:ext cx="9098097" cy="349786"/>
+          </a:xfrm>
+          <a:prstGeom prst="rect">
+            <a:avLst/>
+          </a:prstGeom>
+        </p:spPr>
+        <p:txBody>
+          <a:bodyPr vert="horz" lIns="91440" tIns="45720" rIns="91440" bIns="45720" rtlCol="0" anchor="ctr">
+            <a:normAutofit/>
+          </a:bodyPr>
+          <a:lstStyle>
+            <a:lvl1pPr algn="ctr" defTabSz="914400" rtl="0" eaLnBrk="1" latinLnBrk="0" hangingPunct="1">
+              <a:spcBef>
+                <a:spcPct val="0"/>
+              </a:spcBef>
+              <a:buNone/>
+              <a:defRPr sz="4400" kern="1200">
+                <a:solidFill>
+                  <a:schemeClr val="tx1"/>
+                </a:solidFill>
+                <a:latin typeface="+mj-lt"/>
+                <a:ea typeface="+mj-ea"/>
+                <a:cs typeface="+mj-cs"/>
+              </a:defRPr>
+            </a:lvl1pPr>
+          </a:lstStyle>
+          <a:p>
+            <a:r>
+              <a:rPr lang="en-AU" sz="1600" b="1" dirty="0" smtClean="0">
+                <a:solidFill>
+                  <a:schemeClr val="bg1">
+                    <a:lumMod val="50000"/>
+                  </a:schemeClr>
+                </a:solidFill>
+                <a:latin typeface="Cambria" panose="02040503050406030204" pitchFamily="18" charset="0"/>
+              </a:rPr>
+              <a:t>Used for Documentation</a:t>
+            </a:r>
+            <a:endParaRPr lang="en-AU" sz="1600" b="1" dirty="0">
+              <a:solidFill>
+                <a:schemeClr val="bg1">
+                  <a:lumMod val="50000"/>
+                </a:schemeClr>
+              </a:solidFill>
+              <a:latin typeface="Cambria" panose="02040503050406030204" pitchFamily="18" charset="0"/>
+            </a:endParaRPr>
+          </a:p>
+        </p:txBody>
+      </p:sp>
+    </p:spTree>
+    <p:extLst>
+      <p:ext uri="{BB962C8B-B14F-4D97-AF65-F5344CB8AC3E}">
+        <p14:creationId xmlns:p14="http://schemas.microsoft.com/office/powerpoint/2010/main" val="969559959"/>
+      </p:ext>
+    </p:extLst>
+  </p:cSld>
+  <p:clrMapOvr>
+    <a:masterClrMapping/>
+  </p:clrMapOvr>
+  <p:timing>
+    <p:tnLst>
+      <p:par>
+        <p:cTn id="1" dur="indefinite" restart="never" nodeType="tmRoot"/>
+      </p:par>
+    </p:tnLst>
+  </p:timing>
+</p:sld>
+</file>
+
+<file path=ppt/slides/slide16.xml><?xml version="1.0" encoding="utf-8"?>
+<p:sld xmlns:a="http://schemas.openxmlformats.org/drawingml/2006/main" xmlns:r="http://schemas.openxmlformats.org/officeDocument/2006/relationships" xmlns:p="http://schemas.openxmlformats.org/presentationml/2006/main">
+  <p:cSld>
+    <p:spTree>
+      <p:nvGrpSpPr>
+        <p:cNvPr id="1" name=""/>
+        <p:cNvGrpSpPr/>
+        <p:nvPr/>
+      </p:nvGrpSpPr>
+      <p:grpSpPr>
+        <a:xfrm>
+          <a:off x="0" y="0"/>
+          <a:ext cx="0" cy="0"/>
+          <a:chOff x="0" y="0"/>
+          <a:chExt cx="0" cy="0"/>
+        </a:xfrm>
+      </p:grpSpPr>
+      <p:sp>
+        <p:nvSpPr>
+          <p:cNvPr id="2" name="Title 1"/>
+          <p:cNvSpPr>
+            <a:spLocks noGrp="1"/>
+          </p:cNvSpPr>
+          <p:nvPr>
+            <p:ph type="ctrTitle"/>
+          </p:nvPr>
+        </p:nvSpPr>
+        <p:spPr>
+          <a:xfrm>
+            <a:off x="67574" y="152400"/>
+            <a:ext cx="9067800" cy="838199"/>
+          </a:xfrm>
+        </p:spPr>
+        <p:txBody>
+          <a:bodyPr>
+            <a:normAutofit/>
+          </a:bodyPr>
+          <a:lstStyle/>
+          <a:p>
+            <a:r>
+              <a:rPr lang="en-AU" sz="3600" b="1" dirty="0" smtClean="0">
+                <a:latin typeface="Cambria" panose="02040503050406030204" pitchFamily="18" charset="0"/>
+              </a:rPr>
+              <a:t>Snap shot – Swagger</a:t>
+            </a:r>
+            <a:endParaRPr lang="en-AU" sz="3600" b="1" dirty="0">
+              <a:latin typeface="Cambria" panose="02040503050406030204" pitchFamily="18" charset="0"/>
+            </a:endParaRPr>
+          </a:p>
+        </p:txBody>
+      </p:sp>
+      <p:sp>
+        <p:nvSpPr>
+          <p:cNvPr id="4" name="Title 1"/>
+          <p:cNvSpPr txBox="1">
+            <a:spLocks/>
+          </p:cNvSpPr>
+          <p:nvPr/>
+        </p:nvSpPr>
+        <p:spPr>
+          <a:xfrm>
+            <a:off x="-20199" y="793215"/>
+            <a:ext cx="9098097" cy="349786"/>
+          </a:xfrm>
+          <a:prstGeom prst="rect">
+            <a:avLst/>
+          </a:prstGeom>
+        </p:spPr>
+        <p:txBody>
+          <a:bodyPr vert="horz" lIns="91440" tIns="45720" rIns="91440" bIns="45720" rtlCol="0" anchor="ctr">
+            <a:normAutofit/>
+          </a:bodyPr>
+          <a:lstStyle>
+            <a:lvl1pPr algn="ctr" defTabSz="914400" rtl="0" eaLnBrk="1" latinLnBrk="0" hangingPunct="1">
+              <a:spcBef>
+                <a:spcPct val="0"/>
+              </a:spcBef>
+              <a:buNone/>
+              <a:defRPr sz="4400" kern="1200">
+                <a:solidFill>
+                  <a:schemeClr val="tx1"/>
+                </a:solidFill>
+                <a:latin typeface="+mj-lt"/>
+                <a:ea typeface="+mj-ea"/>
+                <a:cs typeface="+mj-cs"/>
+              </a:defRPr>
+            </a:lvl1pPr>
+          </a:lstStyle>
+          <a:p>
+            <a:r>
+              <a:rPr lang="en-AU" sz="1600" b="1" dirty="0" smtClean="0">
+                <a:solidFill>
+                  <a:schemeClr val="bg1">
+                    <a:lumMod val="50000"/>
+                  </a:schemeClr>
+                </a:solidFill>
+                <a:latin typeface="Cambria" panose="02040503050406030204" pitchFamily="18" charset="0"/>
+              </a:rPr>
+              <a:t>Used for Integration Test</a:t>
+            </a:r>
+            <a:endParaRPr lang="en-AU" sz="1600" b="1" dirty="0">
+              <a:solidFill>
+                <a:schemeClr val="bg1">
+                  <a:lumMod val="50000"/>
+                </a:schemeClr>
+              </a:solidFill>
+              <a:latin typeface="Cambria" panose="02040503050406030204" pitchFamily="18" charset="0"/>
+            </a:endParaRPr>
+          </a:p>
+        </p:txBody>
+      </p:sp>
+      <p:pic>
+        <p:nvPicPr>
+          <p:cNvPr id="3" name="Picture 2"/>
+          <p:cNvPicPr>
+            <a:picLocks noChangeAspect="1"/>
+          </p:cNvPicPr>
+          <p:nvPr/>
+        </p:nvPicPr>
+        <p:blipFill>
+          <a:blip r:embed="rId2"/>
+          <a:stretch>
+            <a:fillRect/>
+          </a:stretch>
+        </p:blipFill>
+        <p:spPr>
+          <a:xfrm>
+            <a:off x="1524000" y="1371600"/>
+            <a:ext cx="4976813" cy="5333770"/>
+          </a:xfrm>
+          <a:prstGeom prst="rect">
+            <a:avLst/>
+          </a:prstGeom>
+          <a:noFill/>
+          <a:ln>
+            <a:solidFill>
+              <a:schemeClr val="bg1">
+                <a:lumMod val="50000"/>
+              </a:schemeClr>
+            </a:solidFill>
+          </a:ln>
         </p:spPr>
       </p:pic>
     </p:spTree>
@@ -3558,7 +4384,7 @@
 </p:sld>
 </file>
 
-<file path=ppt/slides/slide13.xml><?xml version="1.0" encoding="utf-8"?>
+<file path=ppt/slides/slide17.xml><?xml version="1.0" encoding="utf-8"?>
 <p:sld xmlns:a="http://schemas.openxmlformats.org/drawingml/2006/main" xmlns:r="http://schemas.openxmlformats.org/officeDocument/2006/relationships" xmlns:p="http://schemas.openxmlformats.org/presentationml/2006/main">
   <p:cSld>
     <p:spTree>
@@ -3743,7 +4569,7 @@
         <p:spPr>
           <a:xfrm>
             <a:off x="609600" y="1143000"/>
-            <a:ext cx="7924800" cy="2862322"/>
+            <a:ext cx="7924800" cy="5509200"/>
           </a:xfrm>
           <a:prstGeom prst="rect">
             <a:avLst/>
@@ -3757,86 +4583,131 @@
           <a:lstStyle/>
           <a:p>
             <a:pPr marL="342900" indent="-342900">
-              <a:buFont typeface="Arial" panose="020B0604020202020204" pitchFamily="34" charset="0"/>
-              <a:buChar char="•"/>
+              <a:buFont typeface="Wingdings" panose="05000000000000000000" pitchFamily="2" charset="2"/>
+              <a:buChar char="v"/>
             </a:pPr>
             <a:r>
-              <a:rPr lang="en-AU" sz="2000" dirty="0" smtClean="0">
+              <a:rPr lang="en-AU" sz="2400" dirty="0" smtClean="0">
                 <a:latin typeface="Cambria" panose="02040503050406030204" pitchFamily="18" charset="0"/>
               </a:rPr>
               <a:t>Frameworks used</a:t>
             </a:r>
-          </a:p>
-          <a:p>
-            <a:pPr marL="342900" indent="-342900">
-              <a:buFont typeface="Arial" panose="020B0604020202020204" pitchFamily="34" charset="0"/>
-              <a:buChar char="•"/>
-            </a:pPr>
-            <a:r>
-              <a:rPr lang="en-AU" sz="2000" dirty="0" err="1" smtClean="0">
-                <a:latin typeface="Cambria" panose="02040503050406030204" pitchFamily="18" charset="0"/>
-              </a:rPr>
-              <a:t>Algorithim</a:t>
-            </a:r>
-            <a:endParaRPr lang="en-AU" sz="2000" dirty="0" smtClean="0">
+            <a:br>
+              <a:rPr lang="en-AU" sz="2400" dirty="0" smtClean="0">
+                <a:latin typeface="Cambria" panose="02040503050406030204" pitchFamily="18" charset="0"/>
+              </a:rPr>
+            </a:br>
+            <a:endParaRPr lang="en-AU" sz="2400" dirty="0" smtClean="0">
               <a:latin typeface="Cambria" panose="02040503050406030204" pitchFamily="18" charset="0"/>
             </a:endParaRPr>
           </a:p>
           <a:p>
             <a:pPr marL="342900" indent="-342900">
-              <a:buFont typeface="Arial" panose="020B0604020202020204" pitchFamily="34" charset="0"/>
-              <a:buChar char="•"/>
+              <a:buFont typeface="Wingdings" panose="05000000000000000000" pitchFamily="2" charset="2"/>
+              <a:buChar char="v"/>
             </a:pPr>
             <a:r>
-              <a:rPr lang="en-AU" sz="2000" dirty="0" smtClean="0">
+              <a:rPr lang="en-AU" sz="2400" dirty="0" smtClean="0">
+                <a:latin typeface="Cambria" panose="02040503050406030204" pitchFamily="18" charset="0"/>
+              </a:rPr>
+              <a:t>Algorithm</a:t>
+            </a:r>
+            <a:br>
+              <a:rPr lang="en-AU" sz="2400" dirty="0" smtClean="0">
+                <a:latin typeface="Cambria" panose="02040503050406030204" pitchFamily="18" charset="0"/>
+              </a:rPr>
+            </a:br>
+            <a:endParaRPr lang="en-AU" sz="2400" dirty="0" smtClean="0">
+              <a:latin typeface="Cambria" panose="02040503050406030204" pitchFamily="18" charset="0"/>
+            </a:endParaRPr>
+          </a:p>
+          <a:p>
+            <a:pPr marL="342900" indent="-342900">
+              <a:buFont typeface="Wingdings" panose="05000000000000000000" pitchFamily="2" charset="2"/>
+              <a:buChar char="v"/>
+            </a:pPr>
+            <a:r>
+              <a:rPr lang="en-AU" sz="2400" dirty="0" smtClean="0">
                 <a:latin typeface="Cambria" panose="02040503050406030204" pitchFamily="18" charset="0"/>
               </a:rPr>
               <a:t>High Level Block diagrams</a:t>
             </a:r>
+            <a:br>
+              <a:rPr lang="en-AU" sz="2400" dirty="0" smtClean="0">
+                <a:latin typeface="Cambria" panose="02040503050406030204" pitchFamily="18" charset="0"/>
+              </a:rPr>
+            </a:br>
+            <a:endParaRPr lang="en-AU" sz="2400" dirty="0" smtClean="0">
+              <a:latin typeface="Cambria" panose="02040503050406030204" pitchFamily="18" charset="0"/>
+            </a:endParaRPr>
           </a:p>
           <a:p>
             <a:pPr marL="342900" indent="-342900">
-              <a:buFont typeface="Arial" panose="020B0604020202020204" pitchFamily="34" charset="0"/>
-              <a:buChar char="•"/>
+              <a:buFont typeface="Wingdings" panose="05000000000000000000" pitchFamily="2" charset="2"/>
+              <a:buChar char="v"/>
             </a:pPr>
             <a:r>
-              <a:rPr lang="en-AU" sz="2000" dirty="0" smtClean="0">
+              <a:rPr lang="en-AU" sz="2400" dirty="0" smtClean="0">
                 <a:latin typeface="Cambria" panose="02040503050406030204" pitchFamily="18" charset="0"/>
               </a:rPr>
               <a:t>Applied Design patterns</a:t>
             </a:r>
+            <a:br>
+              <a:rPr lang="en-AU" sz="2400" dirty="0" smtClean="0">
+                <a:latin typeface="Cambria" panose="02040503050406030204" pitchFamily="18" charset="0"/>
+              </a:rPr>
+            </a:br>
+            <a:endParaRPr lang="en-AU" sz="2400" dirty="0" smtClean="0">
+              <a:latin typeface="Cambria" panose="02040503050406030204" pitchFamily="18" charset="0"/>
+            </a:endParaRPr>
           </a:p>
           <a:p>
             <a:pPr marL="342900" indent="-342900">
-              <a:buFont typeface="Arial" panose="020B0604020202020204" pitchFamily="34" charset="0"/>
-              <a:buChar char="•"/>
+              <a:buFont typeface="Wingdings" panose="05000000000000000000" pitchFamily="2" charset="2"/>
+              <a:buChar char="v"/>
             </a:pPr>
             <a:r>
-              <a:rPr lang="en-AU" sz="2000" dirty="0" smtClean="0">
+              <a:rPr lang="en-AU" sz="2400" dirty="0" smtClean="0">
                 <a:latin typeface="Cambria" panose="02040503050406030204" pitchFamily="18" charset="0"/>
               </a:rPr>
               <a:t>Class diagrams</a:t>
             </a:r>
+            <a:br>
+              <a:rPr lang="en-AU" sz="2400" dirty="0" smtClean="0">
+                <a:latin typeface="Cambria" panose="02040503050406030204" pitchFamily="18" charset="0"/>
+              </a:rPr>
+            </a:br>
+            <a:endParaRPr lang="en-AU" sz="2400" dirty="0" smtClean="0">
+              <a:latin typeface="Cambria" panose="02040503050406030204" pitchFamily="18" charset="0"/>
+            </a:endParaRPr>
           </a:p>
           <a:p>
             <a:pPr marL="342900" indent="-342900">
-              <a:buFont typeface="Arial" panose="020B0604020202020204" pitchFamily="34" charset="0"/>
-              <a:buChar char="•"/>
+              <a:buFont typeface="Wingdings" panose="05000000000000000000" pitchFamily="2" charset="2"/>
+              <a:buChar char="v"/>
             </a:pPr>
             <a:r>
-              <a:rPr lang="en-AU" sz="2000" dirty="0" smtClean="0">
+              <a:rPr lang="en-AU" sz="2400" dirty="0" smtClean="0">
                 <a:latin typeface="Cambria" panose="02040503050406030204" pitchFamily="18" charset="0"/>
               </a:rPr>
               <a:t>Architecture decisions</a:t>
             </a:r>
+            <a:br>
+              <a:rPr lang="en-AU" sz="2400" dirty="0" smtClean="0">
+                <a:latin typeface="Cambria" panose="02040503050406030204" pitchFamily="18" charset="0"/>
+              </a:rPr>
+            </a:br>
+            <a:endParaRPr lang="en-AU" sz="2400" dirty="0" smtClean="0">
+              <a:latin typeface="Cambria" panose="02040503050406030204" pitchFamily="18" charset="0"/>
+            </a:endParaRPr>
           </a:p>
           <a:p>
             <a:pPr marL="342900" indent="-342900">
-              <a:buFont typeface="Arial" panose="020B0604020202020204" pitchFamily="34" charset="0"/>
-              <a:buChar char="•"/>
+              <a:buFont typeface="Wingdings" panose="05000000000000000000" pitchFamily="2" charset="2"/>
+              <a:buChar char="v"/>
             </a:pPr>
             <a:r>
-              <a:rPr lang="en-AU" sz="2000" dirty="0" smtClean="0">
+              <a:rPr lang="en-AU" sz="2400" dirty="0" smtClean="0">
                 <a:latin typeface="Cambria" panose="02040503050406030204" pitchFamily="18" charset="0"/>
               </a:rPr>
               <a:t>Application snap shots</a:t>
@@ -3942,7 +4813,7 @@
         <p:spPr>
           <a:xfrm>
             <a:off x="609600" y="1143000"/>
-            <a:ext cx="7924800" cy="4401205"/>
+            <a:ext cx="7924800" cy="5016758"/>
           </a:xfrm>
           <a:prstGeom prst="rect">
             <a:avLst/>
@@ -4033,13 +4904,7 @@
               <a:rPr lang="en-AU" sz="2000" dirty="0" smtClean="0">
                 <a:latin typeface="Cambria" panose="02040503050406030204" pitchFamily="18" charset="0"/>
               </a:rPr>
-              <a:t>Angular JS – 1.6.4 </a:t>
-            </a:r>
-            <a:r>
-              <a:rPr lang="en-AU" sz="2000" dirty="0" smtClean="0">
-                <a:latin typeface="Cambria" panose="02040503050406030204" pitchFamily="18" charset="0"/>
-              </a:rPr>
-              <a:t>- </a:t>
+              <a:t>Angular JS – 1.6.4 - </a:t>
             </a:r>
             <a:r>
               <a:rPr lang="en-AU" sz="2000" dirty="0" smtClean="0">
@@ -4162,8 +5027,23 @@
                 </a:solidFill>
                 <a:latin typeface="Cambria" panose="02040503050406030204" pitchFamily="18" charset="0"/>
               </a:rPr>
-              <a:t>used for RESTful Web service implementation</a:t>
-            </a:r>
+              <a:t>used for RESTful Web service </a:t>
+            </a:r>
+            <a:r>
+              <a:rPr lang="en-AU" sz="2000" dirty="0" smtClean="0">
+                <a:solidFill>
+                  <a:srgbClr val="00B050"/>
+                </a:solidFill>
+                <a:latin typeface="Cambria" panose="02040503050406030204" pitchFamily="18" charset="0"/>
+              </a:rPr>
+              <a:t>implementation</a:t>
+            </a:r>
+            <a:endParaRPr lang="en-AU" sz="2000" dirty="0" smtClean="0">
+              <a:solidFill>
+                <a:srgbClr val="00B050"/>
+              </a:solidFill>
+              <a:latin typeface="Cambria" panose="02040503050406030204" pitchFamily="18" charset="0"/>
+            </a:endParaRPr>
           </a:p>
           <a:p>
             <a:pPr marL="342900" indent="-342900">
@@ -4180,17 +5060,78 @@
               <a:buChar char="•"/>
             </a:pPr>
             <a:r>
-              <a:rPr lang="en-AU" sz="2000" dirty="0" smtClean="0">
-                <a:latin typeface="Cambria" panose="02040503050406030204" pitchFamily="18" charset="0"/>
-              </a:rPr>
-              <a:t>.NET framework – 4.5.2</a:t>
-            </a:r>
+              <a:rPr lang="en-US" sz="2000" dirty="0" err="1">
+                <a:latin typeface="Cambria" panose="02040503050406030204" pitchFamily="18" charset="0"/>
+              </a:rPr>
+              <a:t>NuGet</a:t>
+            </a:r>
+            <a:r>
+              <a:rPr lang="en-US" sz="2000" dirty="0">
+                <a:latin typeface="Cambria" panose="02040503050406030204" pitchFamily="18" charset="0"/>
+              </a:rPr>
+              <a:t> – </a:t>
+            </a:r>
+            <a:r>
+              <a:rPr lang="en-US" sz="2000" dirty="0">
+                <a:solidFill>
+                  <a:srgbClr val="00B050"/>
+                </a:solidFill>
+                <a:latin typeface="Cambria" panose="02040503050406030204" pitchFamily="18" charset="0"/>
+              </a:rPr>
+              <a:t>used as Package Manager </a:t>
+            </a:r>
+            <a:r>
+              <a:rPr lang="en-US" sz="2000" dirty="0" smtClean="0">
+                <a:solidFill>
+                  <a:srgbClr val="00B050"/>
+                </a:solidFill>
+                <a:latin typeface="Cambria" panose="02040503050406030204" pitchFamily="18" charset="0"/>
+              </a:rPr>
+              <a:t/>
+            </a:r>
+            <a:br>
+              <a:rPr lang="en-US" sz="2000" dirty="0" smtClean="0">
+                <a:solidFill>
+                  <a:srgbClr val="00B050"/>
+                </a:solidFill>
+                <a:latin typeface="Cambria" panose="02040503050406030204" pitchFamily="18" charset="0"/>
+              </a:rPr>
+            </a:br>
+            <a:endParaRPr lang="en-AU" sz="2000" dirty="0">
+              <a:solidFill>
+                <a:srgbClr val="00B050"/>
+              </a:solidFill>
+              <a:latin typeface="Cambria" panose="02040503050406030204" pitchFamily="18" charset="0"/>
+            </a:endParaRPr>
           </a:p>
           <a:p>
             <a:pPr marL="342900" indent="-342900">
               <a:buFont typeface="Arial" panose="020B0604020202020204" pitchFamily="34" charset="0"/>
               <a:buChar char="•"/>
             </a:pPr>
+            <a:r>
+              <a:rPr lang="en-AU" sz="2000" dirty="0" smtClean="0">
+                <a:latin typeface="Cambria" panose="02040503050406030204" pitchFamily="18" charset="0"/>
+              </a:rPr>
+              <a:t>.</a:t>
+            </a:r>
+            <a:r>
+              <a:rPr lang="en-AU" sz="2000" dirty="0" smtClean="0">
+                <a:latin typeface="Cambria" panose="02040503050406030204" pitchFamily="18" charset="0"/>
+              </a:rPr>
+              <a:t>NET framework – </a:t>
+            </a:r>
+            <a:r>
+              <a:rPr lang="en-AU" sz="2000" dirty="0" smtClean="0">
+                <a:latin typeface="Cambria" panose="02040503050406030204" pitchFamily="18" charset="0"/>
+              </a:rPr>
+              <a:t>4.5.2</a:t>
+            </a:r>
+            <a:br>
+              <a:rPr lang="en-AU" sz="2000" dirty="0" smtClean="0">
+                <a:latin typeface="Cambria" panose="02040503050406030204" pitchFamily="18" charset="0"/>
+              </a:rPr>
+            </a:br>
             <a:endParaRPr lang="en-AU" sz="2000" dirty="0" smtClean="0">
               <a:latin typeface="Cambria" panose="02040503050406030204" pitchFamily="18" charset="0"/>
             </a:endParaRPr>
@@ -4277,7 +5218,7 @@
         <p:spPr>
           <a:xfrm>
             <a:off x="609600" y="1143000"/>
-            <a:ext cx="7848600" cy="4278094"/>
+            <a:ext cx="8229600" cy="4801314"/>
           </a:xfrm>
           <a:prstGeom prst="rect">
             <a:avLst/>
@@ -4295,10 +5236,16 @@
               <a:buAutoNum type="arabicPeriod"/>
             </a:pPr>
             <a:r>
+              <a:rPr lang="en-AU" dirty="0" smtClean="0">
+                <a:latin typeface="Cambria" panose="02040503050406030204" pitchFamily="18" charset="0"/>
+              </a:rPr>
+              <a:t>Receive Input number as string data type. </a:t>
+            </a:r>
+            <a:r>
               <a:rPr lang="en-AU" sz="1600" dirty="0" smtClean="0">
                 <a:latin typeface="Cambria" panose="02040503050406030204" pitchFamily="18" charset="0"/>
               </a:rPr>
-              <a:t>Receive Input number as string data type. </a:t>
+              <a:t/>
             </a:r>
             <a:br>
               <a:rPr lang="en-AU" sz="1600" dirty="0" smtClean="0">
@@ -4344,10 +5291,16 @@
               <a:buAutoNum type="arabicPeriod"/>
             </a:pPr>
             <a:r>
+              <a:rPr lang="en-AU" dirty="0">
+                <a:latin typeface="Cambria" panose="02040503050406030204" pitchFamily="18" charset="0"/>
+              </a:rPr>
+              <a:t>Parse Input NUMBER into Integer &amp; decimal part.</a:t>
+            </a:r>
+            <a:r>
               <a:rPr lang="en-AU" sz="1600" dirty="0" smtClean="0">
                 <a:latin typeface="Cambria" panose="02040503050406030204" pitchFamily="18" charset="0"/>
               </a:rPr>
-              <a:t>Parse Input NUMBER into Integer &amp; decimal part.</a:t>
+              <a:t/>
             </a:r>
             <a:br>
               <a:rPr lang="en-AU" sz="1600" dirty="0" smtClean="0">
@@ -4384,10 +5337,16 @@
               <a:buAutoNum type="arabicPeriod"/>
             </a:pPr>
             <a:r>
+              <a:rPr lang="en-AU" dirty="0">
+                <a:latin typeface="Cambria" panose="02040503050406030204" pitchFamily="18" charset="0"/>
+              </a:rPr>
+              <a:t>Integer part is divided into units from right to left based on Number system. </a:t>
+            </a:r>
+            <a:r>
               <a:rPr lang="en-AU" sz="1600" dirty="0" smtClean="0">
                 <a:latin typeface="Cambria" panose="02040503050406030204" pitchFamily="18" charset="0"/>
               </a:rPr>
-              <a:t>Integer part is divided into units from right to left based on Number system. </a:t>
+              <a:t/>
             </a:r>
             <a:br>
               <a:rPr lang="en-AU" sz="1600" dirty="0" smtClean="0">
@@ -4448,10 +5407,16 @@
               <a:buAutoNum type="arabicPeriod"/>
             </a:pPr>
             <a:r>
+              <a:rPr lang="en-AU" dirty="0">
+                <a:latin typeface="Cambria" panose="02040503050406030204" pitchFamily="18" charset="0"/>
+              </a:rPr>
+              <a:t>For each unit, corresponding Text is built. All are concatenated together to form Integer part of Text. </a:t>
+            </a:r>
+            <a:r>
               <a:rPr lang="en-AU" sz="1600" dirty="0" smtClean="0">
                 <a:latin typeface="Cambria" panose="02040503050406030204" pitchFamily="18" charset="0"/>
               </a:rPr>
-              <a:t>For each unit, corresponding Text is built. All are concatenated together to form Integer part of Text. </a:t>
+              <a:t/>
             </a:r>
             <a:br>
               <a:rPr lang="en-AU" sz="1600" dirty="0" smtClean="0">
@@ -4541,7 +5506,7 @@
               <a:buAutoNum type="arabicPeriod"/>
             </a:pPr>
             <a:r>
-              <a:rPr lang="en-AU" sz="1600" dirty="0" smtClean="0">
+              <a:rPr lang="en-AU" dirty="0">
                 <a:latin typeface="Cambria" panose="02040503050406030204" pitchFamily="18" charset="0"/>
               </a:rPr>
               <a:t>Decimal part is always rounded to 2 decimal places, which is then built into corresponding text. </a:t>
@@ -4576,44 +5541,16 @@
               <a:buAutoNum type="arabicPeriod"/>
             </a:pPr>
             <a:r>
+              <a:rPr lang="en-AU" dirty="0">
+                <a:latin typeface="Cambria" panose="02040503050406030204" pitchFamily="18" charset="0"/>
+              </a:rPr>
+              <a:t>Finally Integer part Text + DOLLARS + Decimal Part + CENTS Text gives final result.</a:t>
+            </a:r>
+            <a:r>
               <a:rPr lang="en-AU" sz="1600" dirty="0" smtClean="0">
                 <a:latin typeface="Cambria" panose="02040503050406030204" pitchFamily="18" charset="0"/>
               </a:rPr>
-              <a:t>Finally Integer part Text + </a:t>
-            </a:r>
-            <a:r>
-              <a:rPr lang="en-AU" sz="1600" dirty="0" smtClean="0">
-                <a:solidFill>
-                  <a:schemeClr val="accent6">
-                    <a:lumMod val="75000"/>
-                  </a:schemeClr>
-                </a:solidFill>
-                <a:latin typeface="Cambria" panose="02040503050406030204" pitchFamily="18" charset="0"/>
-              </a:rPr>
-              <a:t>DOLLARS</a:t>
-            </a:r>
-            <a:r>
-              <a:rPr lang="en-AU" sz="1600" dirty="0" smtClean="0">
-                <a:latin typeface="Cambria" panose="02040503050406030204" pitchFamily="18" charset="0"/>
-              </a:rPr>
-              <a:t> + Decimal Part + </a:t>
-            </a:r>
-            <a:r>
-              <a:rPr lang="en-AU" sz="1600" dirty="0" smtClean="0">
-                <a:solidFill>
-                  <a:schemeClr val="accent6">
-                    <a:lumMod val="75000"/>
-                  </a:schemeClr>
-                </a:solidFill>
-                <a:latin typeface="Cambria" panose="02040503050406030204" pitchFamily="18" charset="0"/>
-              </a:rPr>
-              <a:t>CENTS</a:t>
-            </a:r>
-            <a:r>
-              <a:rPr lang="en-AU" sz="1600" dirty="0" smtClean="0">
-                <a:latin typeface="Cambria" panose="02040503050406030204" pitchFamily="18" charset="0"/>
-              </a:rPr>
-              <a:t> Text gives final result.</a:t>
+              <a:t/>
             </a:r>
             <a:br>
               <a:rPr lang="en-AU" sz="1600" dirty="0" smtClean="0">
@@ -4743,7 +5680,7 @@
         <p:spPr>
           <a:xfrm>
             <a:off x="762000" y="1600200"/>
-            <a:ext cx="7848600" cy="2062103"/>
+            <a:ext cx="7848600" cy="2154436"/>
           </a:xfrm>
           <a:prstGeom prst="rect">
             <a:avLst/>
@@ -4761,10 +5698,16 @@
               <a:buAutoNum type="arabicPeriod"/>
             </a:pPr>
             <a:r>
+              <a:rPr lang="en-AU" dirty="0" smtClean="0">
+                <a:latin typeface="Cambria" panose="02040503050406030204" pitchFamily="18" charset="0"/>
+              </a:rPr>
+              <a:t>Template method. </a:t>
+            </a:r>
+            <a:r>
               <a:rPr lang="en-AU" sz="1600" dirty="0" smtClean="0">
                 <a:latin typeface="Cambria" panose="02040503050406030204" pitchFamily="18" charset="0"/>
               </a:rPr>
-              <a:t>Template method. </a:t>
+              <a:t/>
             </a:r>
             <a:br>
               <a:rPr lang="en-AU" sz="1600" dirty="0" smtClean="0">
@@ -4819,10 +5762,16 @@
               <a:buAutoNum type="arabicPeriod"/>
             </a:pPr>
             <a:r>
+              <a:rPr lang="en-AU" dirty="0" smtClean="0">
+                <a:latin typeface="Cambria" panose="02040503050406030204" pitchFamily="18" charset="0"/>
+              </a:rPr>
+              <a:t>Strategy pattern .</a:t>
+            </a:r>
+            <a:r>
               <a:rPr lang="en-AU" sz="1600" dirty="0" smtClean="0">
                 <a:latin typeface="Cambria" panose="02040503050406030204" pitchFamily="18" charset="0"/>
               </a:rPr>
-              <a:t>Strategy pattern .</a:t>
+              <a:t/>
             </a:r>
             <a:br>
               <a:rPr lang="en-AU" sz="1600" dirty="0" smtClean="0">
@@ -4868,10 +5817,16 @@
               <a:buAutoNum type="arabicPeriod"/>
             </a:pPr>
             <a:r>
+              <a:rPr lang="en-AU" dirty="0" smtClean="0">
+                <a:latin typeface="Cambria" panose="02040503050406030204" pitchFamily="18" charset="0"/>
+              </a:rPr>
+              <a:t>Builder Pattern. </a:t>
+            </a:r>
+            <a:r>
               <a:rPr lang="en-AU" sz="1600" dirty="0" smtClean="0">
                 <a:latin typeface="Cambria" panose="02040503050406030204" pitchFamily="18" charset="0"/>
               </a:rPr>
-              <a:t>Builder Pattern. </a:t>
+              <a:t/>
             </a:r>
             <a:br>
               <a:rPr lang="en-AU" sz="1600" dirty="0" smtClean="0">
@@ -5730,8 +6685,8 @@
         </p:nvSpPr>
         <p:spPr>
           <a:xfrm>
-            <a:off x="609600" y="1447800"/>
-            <a:ext cx="8077200" cy="3477875"/>
+            <a:off x="448574" y="1143000"/>
+            <a:ext cx="8305800" cy="3693319"/>
           </a:xfrm>
           <a:prstGeom prst="rect">
             <a:avLst/>
@@ -5744,80 +6699,111 @@
           </a:bodyPr>
           <a:lstStyle/>
           <a:p>
+            <a:pPr marL="342900" indent="-342900" algn="just">
+              <a:buFont typeface="Wingdings" panose="05000000000000000000" pitchFamily="2" charset="2"/>
+              <a:buChar char="q"/>
+            </a:pPr>
+            <a:r>
+              <a:rPr lang="en-AU" dirty="0" smtClean="0">
+                <a:latin typeface="Cambria" panose="02040503050406030204" pitchFamily="18" charset="0"/>
+              </a:rPr>
+              <a:t>Input Number is read as String data type to support  infinitely long number.</a:t>
+            </a:r>
+          </a:p>
+          <a:p>
+            <a:pPr marL="342900" indent="-342900" algn="just">
+              <a:buFont typeface="Wingdings" panose="05000000000000000000" pitchFamily="2" charset="2"/>
+              <a:buChar char="q"/>
+            </a:pPr>
+            <a:endParaRPr lang="en-AU" dirty="0">
+              <a:latin typeface="Cambria" panose="02040503050406030204" pitchFamily="18" charset="0"/>
+            </a:endParaRPr>
+          </a:p>
+          <a:p>
+            <a:pPr marL="342900" indent="-342900" algn="just">
+              <a:buFont typeface="Wingdings" panose="05000000000000000000" pitchFamily="2" charset="2"/>
+              <a:buChar char="q"/>
+            </a:pPr>
+            <a:r>
+              <a:rPr lang="en-AU" dirty="0" smtClean="0">
+                <a:latin typeface="Cambria" panose="02040503050406030204" pitchFamily="18" charset="0"/>
+              </a:rPr>
+              <a:t>Content Delivery Network (CDN) is used  instead of local copy.</a:t>
+            </a:r>
+          </a:p>
+          <a:p>
+            <a:pPr marL="342900" indent="-342900" algn="just">
+              <a:buFont typeface="Wingdings" panose="05000000000000000000" pitchFamily="2" charset="2"/>
+              <a:buChar char="q"/>
+            </a:pPr>
+            <a:endParaRPr lang="en-AU" dirty="0">
+              <a:latin typeface="Cambria" panose="02040503050406030204" pitchFamily="18" charset="0"/>
+            </a:endParaRPr>
+          </a:p>
+          <a:p>
+            <a:pPr marL="342900" indent="-342900" algn="just">
+              <a:buFont typeface="Wingdings" panose="05000000000000000000" pitchFamily="2" charset="2"/>
+              <a:buChar char="q"/>
+            </a:pPr>
+            <a:r>
+              <a:rPr lang="en-AU" dirty="0" smtClean="0">
+                <a:latin typeface="Cambria" panose="02040503050406030204" pitchFamily="18" charset="0"/>
+              </a:rPr>
+              <a:t>Self hosted using OWIN is selected over IIS in order to provide seamless server access where there is no configurations required for CORS since all configurations are already configured through programmatically.</a:t>
+            </a:r>
+          </a:p>
+          <a:p>
+            <a:pPr marL="342900" indent="-342900" algn="just">
+              <a:buFont typeface="Wingdings" panose="05000000000000000000" pitchFamily="2" charset="2"/>
+              <a:buChar char="q"/>
+            </a:pPr>
+            <a:endParaRPr lang="en-AU" dirty="0">
+              <a:latin typeface="Cambria" panose="02040503050406030204" pitchFamily="18" charset="0"/>
+            </a:endParaRPr>
+          </a:p>
+          <a:p>
+            <a:pPr marL="342900" indent="-342900" algn="just">
+              <a:buFont typeface="Wingdings" panose="05000000000000000000" pitchFamily="2" charset="2"/>
+              <a:buChar char="q"/>
+            </a:pPr>
+            <a:r>
+              <a:rPr lang="en-AU" dirty="0" smtClean="0">
+                <a:latin typeface="Cambria" panose="02040503050406030204" pitchFamily="18" charset="0"/>
+              </a:rPr>
+              <a:t>Swagger – swash buckle is used to provide documentation, Integration Tester for Web API Number service. It is customized to provide custom look &amp; feel.</a:t>
+            </a:r>
+            <a:br>
+              <a:rPr lang="en-AU" dirty="0" smtClean="0">
+                <a:latin typeface="Cambria" panose="02040503050406030204" pitchFamily="18" charset="0"/>
+              </a:rPr>
+            </a:br>
+            <a:endParaRPr lang="en-AU" dirty="0" smtClean="0">
+              <a:latin typeface="Cambria" panose="02040503050406030204" pitchFamily="18" charset="0"/>
+            </a:endParaRPr>
+          </a:p>
+          <a:p>
+            <a:pPr marL="342900" indent="-342900" algn="just">
+              <a:buFont typeface="Wingdings" panose="05000000000000000000" pitchFamily="2" charset="2"/>
+              <a:buChar char="q"/>
+            </a:pPr>
+            <a:r>
+              <a:rPr lang="en-US" dirty="0" smtClean="0">
+                <a:latin typeface="Cambria" panose="02040503050406030204" pitchFamily="18" charset="0"/>
+              </a:rPr>
+              <a:t>Responsive design used to support multiple devices like Pc, Mobile, Tablets, etc.,</a:t>
+            </a:r>
+            <a:endParaRPr lang="en-AU" dirty="0" smtClean="0">
+              <a:latin typeface="Cambria" panose="02040503050406030204" pitchFamily="18" charset="0"/>
+            </a:endParaRPr>
+          </a:p>
+          <a:p>
             <a:pPr marL="342900" indent="-342900">
               <a:buFont typeface="Wingdings" panose="05000000000000000000" pitchFamily="2" charset="2"/>
               <a:buChar char="q"/>
             </a:pPr>
-            <a:r>
-              <a:rPr lang="en-AU" sz="2000" dirty="0" smtClean="0"/>
-              <a:t>Input Number is read as String data type to support  infinitely long number.</a:t>
-            </a:r>
-          </a:p>
-          <a:p>
-            <a:pPr marL="342900" indent="-342900">
-              <a:buFont typeface="Wingdings" panose="05000000000000000000" pitchFamily="2" charset="2"/>
-              <a:buChar char="q"/>
-            </a:pPr>
-            <a:endParaRPr lang="en-AU" sz="2000" dirty="0"/>
-          </a:p>
-          <a:p>
-            <a:pPr marL="342900" indent="-342900">
-              <a:buFont typeface="Wingdings" panose="05000000000000000000" pitchFamily="2" charset="2"/>
-              <a:buChar char="q"/>
-            </a:pPr>
-            <a:r>
-              <a:rPr lang="en-AU" sz="2000" dirty="0" smtClean="0"/>
-              <a:t>Content Delivery Network (CDN) is used  instead of local copy.</a:t>
-            </a:r>
-          </a:p>
-          <a:p>
-            <a:pPr marL="342900" indent="-342900">
-              <a:buFont typeface="Wingdings" panose="05000000000000000000" pitchFamily="2" charset="2"/>
-              <a:buChar char="q"/>
-            </a:pPr>
-            <a:endParaRPr lang="en-AU" sz="2000" dirty="0"/>
-          </a:p>
-          <a:p>
-            <a:pPr marL="342900" indent="-342900">
-              <a:buFont typeface="Wingdings" panose="05000000000000000000" pitchFamily="2" charset="2"/>
-              <a:buChar char="q"/>
-            </a:pPr>
-            <a:r>
-              <a:rPr lang="en-AU" sz="2000" dirty="0" smtClean="0"/>
-              <a:t>Self hosted using OWIN is selected </a:t>
-            </a:r>
-            <a:r>
-              <a:rPr lang="en-AU" sz="2000" dirty="0" smtClean="0"/>
-              <a:t>over IIS </a:t>
-            </a:r>
-            <a:r>
-              <a:rPr lang="en-AU" sz="2000" dirty="0" smtClean="0"/>
-              <a:t>in order to provide seamless server access where there is no configurations required for CORS since all configurations are already configured through programmatically.</a:t>
-            </a:r>
-          </a:p>
-          <a:p>
-            <a:pPr marL="342900" indent="-342900">
-              <a:buFont typeface="Wingdings" panose="05000000000000000000" pitchFamily="2" charset="2"/>
-              <a:buChar char="q"/>
-            </a:pPr>
-            <a:endParaRPr lang="en-AU" sz="2000" dirty="0"/>
-          </a:p>
-          <a:p>
-            <a:pPr marL="342900" indent="-342900">
-              <a:buFont typeface="Wingdings" panose="05000000000000000000" pitchFamily="2" charset="2"/>
-              <a:buChar char="q"/>
-            </a:pPr>
-            <a:r>
-              <a:rPr lang="en-AU" sz="2000" dirty="0" smtClean="0"/>
-              <a:t>Swagger is customized to provide </a:t>
-            </a:r>
-          </a:p>
-          <a:p>
-            <a:pPr marL="342900" indent="-342900">
-              <a:buFont typeface="Wingdings" panose="05000000000000000000" pitchFamily="2" charset="2"/>
-              <a:buChar char="q"/>
-            </a:pPr>
-            <a:endParaRPr lang="en-AU" sz="2000" dirty="0"/>
+            <a:endParaRPr lang="en-AU" dirty="0">
+              <a:latin typeface="Cambria" panose="02040503050406030204" pitchFamily="18" charset="0"/>
+            </a:endParaRPr>
           </a:p>
         </p:txBody>
       </p:sp>
@@ -5894,58 +6880,88 @@
       </p:sp>
       <p:pic>
         <p:nvPicPr>
-          <p:cNvPr id="4100" name="Picture 4"/>
+          <p:cNvPr id="3" name="Picture 2"/>
           <p:cNvPicPr>
-            <a:picLocks noChangeAspect="1" noChangeArrowheads="1"/>
+            <a:picLocks noChangeAspect="1"/>
           </p:cNvPicPr>
           <p:nvPr/>
         </p:nvPicPr>
         <p:blipFill>
-          <a:blip r:embed="rId2">
-            <a:extLst>
-              <a:ext uri="{28A0092B-C50C-407E-A947-70E740481C1C}">
-                <a14:useLocalDpi xmlns:a14="http://schemas.microsoft.com/office/drawing/2010/main" val="0"/>
-              </a:ext>
-            </a:extLst>
-          </a:blip>
-          <a:srcRect/>
+          <a:blip r:embed="rId2"/>
           <a:stretch>
             <a:fillRect/>
           </a:stretch>
         </p:blipFill>
-        <p:spPr bwMode="auto">
+        <p:spPr>
           <a:xfrm>
-            <a:off x="990600" y="1170150"/>
-            <a:ext cx="7058025" cy="5230650"/>
+            <a:off x="281886" y="1371600"/>
+            <a:ext cx="8639175" cy="5153025"/>
           </a:xfrm>
           <a:prstGeom prst="rect">
             <a:avLst/>
           </a:prstGeom>
-          <a:noFill/>
-          <a:ln>
-            <a:noFill/>
-          </a:ln>
-          <a:extLst>
-            <a:ext uri="{909E8E84-426E-40DD-AFC4-6F175D3DCCD1}">
-              <a14:hiddenFill xmlns:a14="http://schemas.microsoft.com/office/drawing/2010/main">
-                <a:solidFill>
-                  <a:schemeClr val="accent1"/>
-                </a:solidFill>
-              </a14:hiddenFill>
-            </a:ext>
-            <a:ext uri="{91240B29-F687-4F45-9708-019B960494DF}">
-              <a14:hiddenLine xmlns:a14="http://schemas.microsoft.com/office/drawing/2010/main" w="9525">
-                <a:solidFill>
-                  <a:schemeClr val="tx1"/>
-                </a:solidFill>
-                <a:miter lim="800000"/>
-                <a:headEnd/>
-                <a:tailEnd/>
-              </a14:hiddenLine>
-            </a:ext>
-          </a:extLst>
         </p:spPr>
       </p:pic>
+      <p:sp>
+        <p:nvSpPr>
+          <p:cNvPr id="5" name="Title 1"/>
+          <p:cNvSpPr txBox="1">
+            <a:spLocks/>
+          </p:cNvSpPr>
+          <p:nvPr/>
+        </p:nvSpPr>
+        <p:spPr>
+          <a:xfrm>
+            <a:off x="-20199" y="793215"/>
+            <a:ext cx="9098097" cy="349786"/>
+          </a:xfrm>
+          <a:prstGeom prst="rect">
+            <a:avLst/>
+          </a:prstGeom>
+        </p:spPr>
+        <p:txBody>
+          <a:bodyPr vert="horz" lIns="91440" tIns="45720" rIns="91440" bIns="45720" rtlCol="0" anchor="ctr">
+            <a:normAutofit/>
+          </a:bodyPr>
+          <a:lstStyle>
+            <a:lvl1pPr algn="ctr" defTabSz="914400" rtl="0" eaLnBrk="1" latinLnBrk="0" hangingPunct="1">
+              <a:spcBef>
+                <a:spcPct val="0"/>
+              </a:spcBef>
+              <a:buNone/>
+              <a:defRPr sz="4400" kern="1200">
+                <a:solidFill>
+                  <a:schemeClr val="tx1"/>
+                </a:solidFill>
+                <a:latin typeface="+mj-lt"/>
+                <a:ea typeface="+mj-ea"/>
+                <a:cs typeface="+mj-cs"/>
+              </a:defRPr>
+            </a:lvl1pPr>
+          </a:lstStyle>
+          <a:p>
+            <a:r>
+              <a:rPr lang="en-AU" sz="1600" b="1" dirty="0" smtClean="0">
+                <a:solidFill>
+                  <a:schemeClr val="bg1">
+                    <a:lumMod val="50000"/>
+                  </a:schemeClr>
+                </a:solidFill>
+                <a:latin typeface="Cambria" panose="02040503050406030204" pitchFamily="18" charset="0"/>
+              </a:rPr>
+              <a:t>Small number – Output in Google Chrome</a:t>
+            </a:r>
+            <a:endParaRPr lang="en-AU" sz="1600" b="1" dirty="0">
+              <a:solidFill>
+                <a:schemeClr val="bg1">
+                  <a:lumMod val="50000"/>
+                </a:schemeClr>
+              </a:solidFill>
+              <a:latin typeface="Cambria" panose="02040503050406030204" pitchFamily="18" charset="0"/>
+            </a:endParaRPr>
+          </a:p>
+        </p:txBody>
+      </p:sp>
     </p:spTree>
     <p:extLst>
       <p:ext uri="{BB962C8B-B14F-4D97-AF65-F5344CB8AC3E}">
